--- a/DiffCR-code-review.pptx
+++ b/DiffCR-code-review.pptx
@@ -27,6 +27,20 @@
   </p:sldIdLst>
   <p:sldSz cx="14630400" cy="8229600"/>
   <p:notesSz cx="8229600" cy="14630400"/>
+  <p:embeddedFontLst>
+    <p:embeddedFont>
+      <p:font typeface="맑은 고딕" panose="020B0503020000020004" pitchFamily="50" charset="-127"/>
+      <p:regular r:id="rId19"/>
+      <p:bold r:id="rId20"/>
+    </p:embeddedFont>
+    <p:embeddedFont>
+      <p:font typeface="Calibri" panose="020F0502020204030204" pitchFamily="34" charset="0"/>
+      <p:regular r:id="rId21"/>
+      <p:bold r:id="rId22"/>
+      <p:italic r:id="rId23"/>
+      <p:boldItalic r:id="rId24"/>
+    </p:embeddedFont>
+  </p:embeddedFontLst>
   <p:defaultTextStyle>
     <a:defPPr>
       <a:defRPr lang="ko-KR"/>
@@ -2790,69 +2804,6 @@
               </a:solidFill>
               <a:latin typeface="Calibri" panose="020F0502020204030204" pitchFamily="34" charset="0"/>
               <a:ea typeface="Calibri" panose="020F0502020204030204" pitchFamily="34" charset="0"/>
-              <a:cs typeface="Calibri" panose="020F0502020204030204" pitchFamily="34" charset="0"/>
-            </a:endParaRPr>
-          </a:p>
-        </p:txBody>
-      </p:sp>
-      <p:sp>
-        <p:nvSpPr>
-          <p:cNvPr id="22" name="TextBox 21">
-            <a:extLst>
-              <a:ext uri="{FF2B5EF4-FFF2-40B4-BE49-F238E27FC236}">
-                <a16:creationId xmlns:a16="http://schemas.microsoft.com/office/drawing/2014/main" id="{C36B578F-A564-AEBC-F2C9-26AFF01CFAD0}"/>
-              </a:ext>
-            </a:extLst>
-          </p:cNvPr>
-          <p:cNvSpPr txBox="1"/>
-          <p:nvPr/>
-        </p:nvSpPr>
-        <p:spPr>
-          <a:xfrm>
-            <a:off x="7315199" y="6462424"/>
-            <a:ext cx="3438788" cy="369332"/>
-          </a:xfrm>
-          <a:prstGeom prst="rect">
-            <a:avLst/>
-          </a:prstGeom>
-          <a:noFill/>
-        </p:spPr>
-        <p:txBody>
-          <a:bodyPr wrap="square" rtlCol="0">
-            <a:spAutoFit/>
-          </a:bodyPr>
-          <a:lstStyle/>
-          <a:p>
-            <a:pPr marL="285750" indent="-285750">
-              <a:buFont typeface="Wingdings" panose="05000000000000000000" pitchFamily="2" charset="2"/>
-              <a:buChar char="ü"/>
-            </a:pPr>
-            <a:r>
-              <a:rPr lang="en-US" altLang="ko-KR" dirty="0" err="1">
-                <a:latin typeface="Calibri" panose="020F0502020204030204" pitchFamily="34" charset="0"/>
-                <a:ea typeface="Calibri" panose="020F0502020204030204" pitchFamily="34" charset="0"/>
-                <a:cs typeface="Calibri" panose="020F0502020204030204" pitchFamily="34" charset="0"/>
-              </a:rPr>
-              <a:t>CondNAFBlock</a:t>
-            </a:r>
-            <a:r>
-              <a:rPr lang="en-US" altLang="ko-KR" dirty="0">
-                <a:latin typeface="Calibri" panose="020F0502020204030204" pitchFamily="34" charset="0"/>
-                <a:ea typeface="Calibri" panose="020F0502020204030204" pitchFamily="34" charset="0"/>
-                <a:cs typeface="Calibri" panose="020F0502020204030204" pitchFamily="34" charset="0"/>
-              </a:rPr>
-              <a:t> – condition </a:t>
-            </a:r>
-            <a:r>
-              <a:rPr lang="en-US" altLang="ko-KR" dirty="0" err="1">
-                <a:latin typeface="Calibri" panose="020F0502020204030204" pitchFamily="34" charset="0"/>
-                <a:ea typeface="Calibri" panose="020F0502020204030204" pitchFamily="34" charset="0"/>
-                <a:cs typeface="Calibri" panose="020F0502020204030204" pitchFamily="34" charset="0"/>
-              </a:rPr>
-              <a:t>emb</a:t>
-            </a:r>
-            <a:endParaRPr lang="ko-KR" altLang="en-US" dirty="0">
-              <a:latin typeface="Calibri" panose="020F0502020204030204" pitchFamily="34" charset="0"/>
               <a:cs typeface="Calibri" panose="020F0502020204030204" pitchFamily="34" charset="0"/>
             </a:endParaRPr>
           </a:p>
